--- a/fhangmandw/fhangmandw/Pitcher Hangman WIP.pptx
+++ b/fhangmandw/fhangmandw/Pitcher Hangman WIP.pptx
@@ -104,6 +104,11 @@
       </a:defRPr>
     </a:lvl9pPr>
   </p:defaultTextStyle>
+  <p:extLst>
+    <p:ext uri="{EFAFB233-063F-42B5-8137-9DF3F51BA10A}">
+      <p15:sldGuideLst xmlns:p15="http://schemas.microsoft.com/office/powerpoint/2012/main"/>
+    </p:ext>
+  </p:extLst>
 </p:presentation>
 </file>
 
@@ -238,7 +243,7 @@
           <a:p>
             <a:fld id="{3F1320C3-AB0E-467C-AB44-81E3BA5130D1}" type="datetimeFigureOut">
               <a:rPr lang="de-DE" smtClean="0"/>
-              <a:t>10.09.2015</a:t>
+              <a:t>15.09.2015</a:t>
             </a:fld>
             <a:endParaRPr lang="de-DE"/>
           </a:p>
@@ -408,7 +413,7 @@
           <a:p>
             <a:fld id="{3F1320C3-AB0E-467C-AB44-81E3BA5130D1}" type="datetimeFigureOut">
               <a:rPr lang="de-DE" smtClean="0"/>
-              <a:t>10.09.2015</a:t>
+              <a:t>15.09.2015</a:t>
             </a:fld>
             <a:endParaRPr lang="de-DE"/>
           </a:p>
@@ -588,7 +593,7 @@
           <a:p>
             <a:fld id="{3F1320C3-AB0E-467C-AB44-81E3BA5130D1}" type="datetimeFigureOut">
               <a:rPr lang="de-DE" smtClean="0"/>
-              <a:t>10.09.2015</a:t>
+              <a:t>15.09.2015</a:t>
             </a:fld>
             <a:endParaRPr lang="de-DE"/>
           </a:p>
@@ -758,7 +763,7 @@
           <a:p>
             <a:fld id="{3F1320C3-AB0E-467C-AB44-81E3BA5130D1}" type="datetimeFigureOut">
               <a:rPr lang="de-DE" smtClean="0"/>
-              <a:t>10.09.2015</a:t>
+              <a:t>15.09.2015</a:t>
             </a:fld>
             <a:endParaRPr lang="de-DE"/>
           </a:p>
@@ -1004,7 +1009,7 @@
           <a:p>
             <a:fld id="{3F1320C3-AB0E-467C-AB44-81E3BA5130D1}" type="datetimeFigureOut">
               <a:rPr lang="de-DE" smtClean="0"/>
-              <a:t>10.09.2015</a:t>
+              <a:t>15.09.2015</a:t>
             </a:fld>
             <a:endParaRPr lang="de-DE"/>
           </a:p>
@@ -1236,7 +1241,7 @@
           <a:p>
             <a:fld id="{3F1320C3-AB0E-467C-AB44-81E3BA5130D1}" type="datetimeFigureOut">
               <a:rPr lang="de-DE" smtClean="0"/>
-              <a:t>10.09.2015</a:t>
+              <a:t>15.09.2015</a:t>
             </a:fld>
             <a:endParaRPr lang="de-DE"/>
           </a:p>
@@ -1603,7 +1608,7 @@
           <a:p>
             <a:fld id="{3F1320C3-AB0E-467C-AB44-81E3BA5130D1}" type="datetimeFigureOut">
               <a:rPr lang="de-DE" smtClean="0"/>
-              <a:t>10.09.2015</a:t>
+              <a:t>15.09.2015</a:t>
             </a:fld>
             <a:endParaRPr lang="de-DE"/>
           </a:p>
@@ -1721,7 +1726,7 @@
           <a:p>
             <a:fld id="{3F1320C3-AB0E-467C-AB44-81E3BA5130D1}" type="datetimeFigureOut">
               <a:rPr lang="de-DE" smtClean="0"/>
-              <a:t>10.09.2015</a:t>
+              <a:t>15.09.2015</a:t>
             </a:fld>
             <a:endParaRPr lang="de-DE"/>
           </a:p>
@@ -1816,7 +1821,7 @@
           <a:p>
             <a:fld id="{3F1320C3-AB0E-467C-AB44-81E3BA5130D1}" type="datetimeFigureOut">
               <a:rPr lang="de-DE" smtClean="0"/>
-              <a:t>10.09.2015</a:t>
+              <a:t>15.09.2015</a:t>
             </a:fld>
             <a:endParaRPr lang="de-DE"/>
           </a:p>
@@ -2093,7 +2098,7 @@
           <a:p>
             <a:fld id="{3F1320C3-AB0E-467C-AB44-81E3BA5130D1}" type="datetimeFigureOut">
               <a:rPr lang="de-DE" smtClean="0"/>
-              <a:t>10.09.2015</a:t>
+              <a:t>15.09.2015</a:t>
             </a:fld>
             <a:endParaRPr lang="de-DE"/>
           </a:p>
@@ -2346,7 +2351,7 @@
           <a:p>
             <a:fld id="{3F1320C3-AB0E-467C-AB44-81E3BA5130D1}" type="datetimeFigureOut">
               <a:rPr lang="de-DE" smtClean="0"/>
-              <a:t>10.09.2015</a:t>
+              <a:t>15.09.2015</a:t>
             </a:fld>
             <a:endParaRPr lang="de-DE"/>
           </a:p>
@@ -2559,7 +2564,7 @@
           <a:p>
             <a:fld id="{3F1320C3-AB0E-467C-AB44-81E3BA5130D1}" type="datetimeFigureOut">
               <a:rPr lang="de-DE" smtClean="0"/>
-              <a:t>10.09.2015</a:t>
+              <a:t>15.09.2015</a:t>
             </a:fld>
             <a:endParaRPr lang="de-DE"/>
           </a:p>
@@ -2973,7 +2978,7 @@
         <p:spPr>
           <a:xfrm>
             <a:off x="1674254" y="468121"/>
-            <a:ext cx="7385355" cy="1323439"/>
+            <a:ext cx="7771615" cy="1446550"/>
           </a:xfrm>
           <a:prstGeom prst="rect">
             <a:avLst/>
@@ -2987,7 +2992,7 @@
           <a:lstStyle/>
           <a:p>
             <a:r>
-              <a:rPr lang="de-DE" sz="7000" b="1" dirty="0" smtClean="0">
+              <a:rPr lang="de-DE" sz="7200" b="1" dirty="0" smtClean="0">
                 <a:solidFill>
                   <a:schemeClr val="accent5">
                     <a:lumMod val="75000"/>
@@ -2999,24 +3004,24 @@
               <a:t>FHDW </a:t>
             </a:r>
             <a:r>
-              <a:rPr lang="de-DE" sz="8000" b="1" dirty="0" smtClean="0">
+              <a:rPr lang="de-DE" sz="8800" b="1" dirty="0" smtClean="0">
                 <a:solidFill>
                   <a:schemeClr val="accent5">
                     <a:lumMod val="75000"/>
                   </a:schemeClr>
                 </a:solidFill>
-                <a:latin typeface="Roboto" pitchFamily="2" charset="0"/>
+                <a:latin typeface="CabinSketch" panose="020B0503050202020004" pitchFamily="34" charset="0"/>
                 <a:ea typeface="Roboto" pitchFamily="2" charset="0"/>
               </a:rPr>
               <a:t>Hangman</a:t>
             </a:r>
-            <a:endParaRPr lang="de-DE" sz="8000" b="1" dirty="0">
+            <a:endParaRPr lang="de-DE" sz="8800" b="1" dirty="0">
               <a:solidFill>
                 <a:schemeClr val="accent5">
                   <a:lumMod val="75000"/>
                 </a:schemeClr>
               </a:solidFill>
-              <a:latin typeface="Roboto" pitchFamily="2" charset="0"/>
+              <a:latin typeface="CabinSketch" panose="020B0503050202020004" pitchFamily="34" charset="0"/>
               <a:ea typeface="Roboto" pitchFamily="2" charset="0"/>
             </a:endParaRPr>
           </a:p>
@@ -3030,8 +3035,8 @@
         </p:nvSpPr>
         <p:spPr>
           <a:xfrm>
-            <a:off x="321426" y="2460018"/>
-            <a:ext cx="6595075" cy="553998"/>
+            <a:off x="600826" y="2514573"/>
+            <a:ext cx="5672974" cy="1477328"/>
           </a:xfrm>
           <a:prstGeom prst="rect">
             <a:avLst/>
@@ -3039,7 +3044,7 @@
           <a:noFill/>
         </p:spPr>
         <p:txBody>
-          <a:bodyPr wrap="none" rtlCol="0">
+          <a:bodyPr wrap="square" rtlCol="0">
             <a:spAutoFit/>
           </a:bodyPr>
           <a:lstStyle/>
@@ -3051,10 +3056,10 @@
                     <a:lumMod val="75000"/>
                   </a:schemeClr>
                 </a:solidFill>
-                <a:latin typeface="Roboto" pitchFamily="2" charset="0"/>
+                <a:latin typeface="CabinSketch" panose="020B0503050202020004" pitchFamily="34" charset="0"/>
                 <a:ea typeface="Roboto" pitchFamily="2" charset="0"/>
               </a:rPr>
-              <a:t>Bist du bereit für das Duale Studium ?</a:t>
+              <a:t>Beweise deine Bereitschaft für das duale Studium und messe dich mit anderen Schulen!</a:t>
             </a:r>
             <a:endParaRPr lang="de-DE" sz="3000" b="1" dirty="0">
               <a:solidFill>
@@ -3062,53 +3067,7 @@
                   <a:lumMod val="75000"/>
                 </a:schemeClr>
               </a:solidFill>
-              <a:latin typeface="Roboto" pitchFamily="2" charset="0"/>
-              <a:ea typeface="Roboto" pitchFamily="2" charset="0"/>
-            </a:endParaRPr>
-          </a:p>
-        </p:txBody>
-      </p:sp>
-      <p:sp>
-        <p:nvSpPr>
-          <p:cNvPr id="6" name="Textfeld 5"/>
-          <p:cNvSpPr txBox="1"/>
-          <p:nvPr/>
-        </p:nvSpPr>
-        <p:spPr>
-          <a:xfrm>
-            <a:off x="1159099" y="5796245"/>
-            <a:ext cx="9829935" cy="553998"/>
-          </a:xfrm>
-          <a:prstGeom prst="rect">
-            <a:avLst/>
-          </a:prstGeom>
-          <a:noFill/>
-        </p:spPr>
-        <p:txBody>
-          <a:bodyPr wrap="none" rtlCol="0">
-            <a:spAutoFit/>
-          </a:bodyPr>
-          <a:lstStyle/>
-          <a:p>
-            <a:r>
-              <a:rPr lang="de-DE" sz="3000" b="1" dirty="0" smtClean="0">
-                <a:solidFill>
-                  <a:schemeClr val="accent5">
-                    <a:lumMod val="75000"/>
-                  </a:schemeClr>
-                </a:solidFill>
-                <a:latin typeface="Roboto" pitchFamily="2" charset="0"/>
-                <a:ea typeface="Roboto" pitchFamily="2" charset="0"/>
-              </a:rPr>
-              <a:t>Zeige dein Wissen und löse so viele Wörter wie möglich !</a:t>
-            </a:r>
-            <a:endParaRPr lang="de-DE" sz="3000" b="1" dirty="0">
-              <a:solidFill>
-                <a:schemeClr val="accent5">
-                  <a:lumMod val="75000"/>
-                </a:schemeClr>
-              </a:solidFill>
-              <a:latin typeface="Roboto" pitchFamily="2" charset="0"/>
+              <a:latin typeface="CabinSketch" panose="020B0503050202020004" pitchFamily="34" charset="0"/>
               <a:ea typeface="Roboto" pitchFamily="2" charset="0"/>
             </a:endParaRPr>
           </a:p>
@@ -3144,16 +3103,70 @@
           </a:prstGeom>
         </p:spPr>
       </p:pic>
-      <p:sp>
-        <p:nvSpPr>
-          <p:cNvPr id="8" name="Textfeld 7"/>
+      <p:pic>
+        <p:nvPicPr>
+          <p:cNvPr id="2" name="Grafik 1"/>
+          <p:cNvPicPr>
+            <a:picLocks noChangeAspect="1"/>
+          </p:cNvPicPr>
+          <p:nvPr/>
+        </p:nvPicPr>
+        <p:blipFill>
+          <a:blip r:embed="rId3">
+            <a:extLst>
+              <a:ext uri="{28A0092B-C50C-407E-A947-70E740481C1C}">
+                <a14:useLocalDpi xmlns:a14="http://schemas.microsoft.com/office/drawing/2010/main" val="0"/>
+              </a:ext>
+            </a:extLst>
+          </a:blip>
+          <a:stretch>
+            <a:fillRect/>
+          </a:stretch>
+        </p:blipFill>
+        <p:spPr>
+          <a:xfrm>
+            <a:off x="1472171" y="3991901"/>
+            <a:ext cx="3930283" cy="1970756"/>
+          </a:xfrm>
+          <a:prstGeom prst="roundRect">
+            <a:avLst>
+              <a:gd name="adj" fmla="val 16667"/>
+            </a:avLst>
+          </a:prstGeom>
+          <a:ln>
+            <a:noFill/>
+          </a:ln>
+          <a:effectLst>
+            <a:outerShdw blurRad="152400" dist="12000" dir="900000" sy="98000" kx="110000" ky="200000" algn="tl" rotWithShape="0">
+              <a:srgbClr val="000000">
+                <a:alpha val="30000"/>
+              </a:srgbClr>
+            </a:outerShdw>
+          </a:effectLst>
+          <a:scene3d>
+            <a:camera prst="perspectiveRelaxed">
+              <a:rot lat="19800000" lon="1200000" rev="20820000"/>
+            </a:camera>
+            <a:lightRig rig="threePt" dir="t"/>
+          </a:scene3d>
+          <a:sp3d contourW="6350" prstMaterial="matte">
+            <a:bevelT w="101600" h="101600"/>
+            <a:contourClr>
+              <a:srgbClr val="969696"/>
+            </a:contourClr>
+          </a:sp3d>
+        </p:spPr>
+      </p:pic>
+      <p:sp>
+        <p:nvSpPr>
+          <p:cNvPr id="9" name="Textfeld 8"/>
           <p:cNvSpPr txBox="1"/>
           <p:nvPr/>
         </p:nvSpPr>
         <p:spPr>
           <a:xfrm>
-            <a:off x="5602310" y="3723577"/>
-            <a:ext cx="6115441" cy="553998"/>
+            <a:off x="7339056" y="2324087"/>
+            <a:ext cx="2106813" cy="553998"/>
           </a:xfrm>
           <a:prstGeom prst="rect">
             <a:avLst/>
@@ -3173,10 +3186,10 @@
                     <a:lumMod val="75000"/>
                   </a:schemeClr>
                 </a:solidFill>
-                <a:latin typeface="Roboto" pitchFamily="2" charset="0"/>
+                <a:latin typeface="CabinSketch" panose="020B0503050202020004" pitchFamily="34" charset="0"/>
                 <a:ea typeface="Roboto" pitchFamily="2" charset="0"/>
               </a:rPr>
-              <a:t>Messe dich mit anderen Schulen !</a:t>
+              <a:t>Flat Design</a:t>
             </a:r>
             <a:endParaRPr lang="de-DE" sz="3000" b="1" dirty="0">
               <a:solidFill>
@@ -3184,12 +3197,134 @@
                   <a:lumMod val="75000"/>
                 </a:schemeClr>
               </a:solidFill>
-              <a:latin typeface="Roboto" pitchFamily="2" charset="0"/>
+              <a:latin typeface="CabinSketch" panose="020B0503050202020004" pitchFamily="34" charset="0"/>
               <a:ea typeface="Roboto" pitchFamily="2" charset="0"/>
             </a:endParaRPr>
           </a:p>
         </p:txBody>
       </p:sp>
+      <p:pic>
+        <p:nvPicPr>
+          <p:cNvPr id="3" name="Grafik 2"/>
+          <p:cNvPicPr>
+            <a:picLocks noChangeAspect="1"/>
+          </p:cNvPicPr>
+          <p:nvPr/>
+        </p:nvPicPr>
+        <p:blipFill>
+          <a:blip r:embed="rId4">
+            <a:extLst>
+              <a:ext uri="{28A0092B-C50C-407E-A947-70E740481C1C}">
+                <a14:useLocalDpi xmlns:a14="http://schemas.microsoft.com/office/drawing/2010/main" val="0"/>
+              </a:ext>
+            </a:extLst>
+          </a:blip>
+          <a:stretch>
+            <a:fillRect/>
+          </a:stretch>
+        </p:blipFill>
+        <p:spPr>
+          <a:xfrm>
+            <a:off x="7339056" y="2989063"/>
+            <a:ext cx="4439270" cy="762106"/>
+          </a:xfrm>
+          <a:prstGeom prst="rect">
+            <a:avLst/>
+          </a:prstGeom>
+          <a:ln>
+            <a:noFill/>
+          </a:ln>
+          <a:effectLst>
+            <a:softEdge rad="112500"/>
+          </a:effectLst>
+        </p:spPr>
+      </p:pic>
+      <p:sp>
+        <p:nvSpPr>
+          <p:cNvPr id="10" name="Textfeld 9"/>
+          <p:cNvSpPr txBox="1"/>
+          <p:nvPr/>
+        </p:nvSpPr>
+        <p:spPr>
+          <a:xfrm>
+            <a:off x="7873860" y="4312303"/>
+            <a:ext cx="2106813" cy="553998"/>
+          </a:xfrm>
+          <a:prstGeom prst="rect">
+            <a:avLst/>
+          </a:prstGeom>
+          <a:noFill/>
+        </p:spPr>
+        <p:txBody>
+          <a:bodyPr wrap="square" rtlCol="0">
+            <a:spAutoFit/>
+          </a:bodyPr>
+          <a:lstStyle/>
+          <a:p>
+            <a:r>
+              <a:rPr lang="de-DE" sz="3000" b="1" dirty="0" smtClean="0">
+                <a:solidFill>
+                  <a:schemeClr val="accent5">
+                    <a:lumMod val="75000"/>
+                  </a:schemeClr>
+                </a:solidFill>
+                <a:latin typeface="CabinSketch" panose="020B0503050202020004" pitchFamily="34" charset="0"/>
+                <a:ea typeface="Roboto" pitchFamily="2" charset="0"/>
+              </a:rPr>
+              <a:t>Comic-Stil</a:t>
+            </a:r>
+            <a:endParaRPr lang="de-DE" sz="3000" b="1" dirty="0">
+              <a:solidFill>
+                <a:schemeClr val="accent5">
+                  <a:lumMod val="75000"/>
+                </a:schemeClr>
+              </a:solidFill>
+              <a:latin typeface="CabinSketch" panose="020B0503050202020004" pitchFamily="34" charset="0"/>
+              <a:ea typeface="Roboto" pitchFamily="2" charset="0"/>
+            </a:endParaRPr>
+          </a:p>
+        </p:txBody>
+      </p:sp>
+      <p:pic>
+        <p:nvPicPr>
+          <p:cNvPr id="11" name="Grafik 10"/>
+          <p:cNvPicPr>
+            <a:picLocks noChangeAspect="1"/>
+          </p:cNvPicPr>
+          <p:nvPr/>
+        </p:nvPicPr>
+        <p:blipFill>
+          <a:blip r:embed="rId5">
+            <a:extLst>
+              <a:ext uri="{28A0092B-C50C-407E-A947-70E740481C1C}">
+                <a14:useLocalDpi xmlns:a14="http://schemas.microsoft.com/office/drawing/2010/main" val="0"/>
+              </a:ext>
+            </a:extLst>
+          </a:blip>
+          <a:stretch>
+            <a:fillRect/>
+          </a:stretch>
+        </p:blipFill>
+        <p:spPr>
+          <a:xfrm>
+            <a:off x="6720936" y="4977279"/>
+            <a:ext cx="4944567" cy="1366998"/>
+          </a:xfrm>
+          <a:prstGeom prst="rect">
+            <a:avLst/>
+          </a:prstGeom>
+          <a:ln>
+            <a:noFill/>
+          </a:ln>
+          <a:effectLst>
+            <a:outerShdw blurRad="292100" dist="139700" dir="2700000" algn="tl" rotWithShape="0">
+              <a:srgbClr val="333333">
+                <a:alpha val="65000"/>
+              </a:srgbClr>
+            </a:outerShdw>
+          </a:effectLst>
+        </p:spPr>
+      </p:pic>
     </p:spTree>
     <p:extLst>
       <p:ext uri="{BB962C8B-B14F-4D97-AF65-F5344CB8AC3E}">

--- a/fhangmandw/fhangmandw/Pitcher Hangman WIP.pptx
+++ b/fhangmandw/fhangmandw/Pitcher Hangman WIP.pptx
@@ -2977,8 +2977,8 @@
         </p:nvSpPr>
         <p:spPr>
           <a:xfrm>
-            <a:off x="1674254" y="468121"/>
-            <a:ext cx="7771615" cy="1446550"/>
+            <a:off x="5226897" y="-119848"/>
+            <a:ext cx="5615640" cy="1631216"/>
           </a:xfrm>
           <a:prstGeom prst="rect">
             <a:avLst/>
@@ -2992,19 +2992,7 @@
           <a:lstStyle/>
           <a:p>
             <a:r>
-              <a:rPr lang="de-DE" sz="7200" b="1" dirty="0" smtClean="0">
-                <a:solidFill>
-                  <a:schemeClr val="accent5">
-                    <a:lumMod val="75000"/>
-                  </a:schemeClr>
-                </a:solidFill>
-                <a:latin typeface="Roboto" pitchFamily="2" charset="0"/>
-                <a:ea typeface="Roboto" pitchFamily="2" charset="0"/>
-              </a:rPr>
-              <a:t>FHDW </a:t>
-            </a:r>
-            <a:r>
-              <a:rPr lang="de-DE" sz="8800" b="1" dirty="0" smtClean="0">
+              <a:rPr lang="de-DE" sz="10000" b="1" dirty="0" err="1" smtClean="0">
                 <a:solidFill>
                   <a:schemeClr val="accent5">
                     <a:lumMod val="75000"/>
@@ -3015,7 +3003,7 @@
               </a:rPr>
               <a:t>Hangman</a:t>
             </a:r>
-            <a:endParaRPr lang="de-DE" sz="8800" b="1" dirty="0">
+            <a:endParaRPr lang="de-DE" sz="10000" b="1" dirty="0">
               <a:solidFill>
                 <a:schemeClr val="accent5">
                   <a:lumMod val="75000"/>
@@ -3035,7 +3023,7 @@
         </p:nvSpPr>
         <p:spPr>
           <a:xfrm>
-            <a:off x="600826" y="2514573"/>
+            <a:off x="515100" y="1627561"/>
             <a:ext cx="5672974" cy="1477328"/>
           </a:xfrm>
           <a:prstGeom prst="rect">
@@ -3095,8 +3083,8 @@
         </p:blipFill>
         <p:spPr>
           <a:xfrm>
-            <a:off x="774248" y="367719"/>
-            <a:ext cx="3579171" cy="1649437"/>
+            <a:off x="1647726" y="185289"/>
+            <a:ext cx="3579171" cy="912688"/>
           </a:xfrm>
           <a:prstGeom prst="rect">
             <a:avLst/>
@@ -3125,7 +3113,7 @@
         </p:blipFill>
         <p:spPr>
           <a:xfrm>
-            <a:off x="1472171" y="3991901"/>
+            <a:off x="933054" y="3099368"/>
             <a:ext cx="3930283" cy="1970756"/>
           </a:xfrm>
           <a:prstGeom prst="roundRect">
@@ -3165,8 +3153,8 @@
         </p:nvSpPr>
         <p:spPr>
           <a:xfrm>
-            <a:off x="7339056" y="2324087"/>
-            <a:ext cx="2106813" cy="553998"/>
+            <a:off x="7432326" y="1715896"/>
+            <a:ext cx="4890402" cy="553998"/>
           </a:xfrm>
           <a:prstGeom prst="rect">
             <a:avLst/>
@@ -3189,7 +3177,7 @@
                 <a:latin typeface="CabinSketch" panose="020B0503050202020004" pitchFamily="34" charset="0"/>
                 <a:ea typeface="Roboto" pitchFamily="2" charset="0"/>
               </a:rPr>
-              <a:t>Flat Design</a:t>
+              <a:t>Minimalistisch und intuitiv</a:t>
             </a:r>
             <a:endParaRPr lang="de-DE" sz="3000" b="1" dirty="0">
               <a:solidFill>
@@ -3225,7 +3213,7 @@
         </p:blipFill>
         <p:spPr>
           <a:xfrm>
-            <a:off x="7339056" y="2989063"/>
+            <a:off x="7539081" y="2229797"/>
             <a:ext cx="4439270" cy="762106"/>
           </a:xfrm>
           <a:prstGeom prst="rect">
@@ -3247,7 +3235,7 @@
         </p:nvSpPr>
         <p:spPr>
           <a:xfrm>
-            <a:off x="7873860" y="4312303"/>
+            <a:off x="8521560" y="4629715"/>
             <a:ext cx="2106813" cy="553998"/>
           </a:xfrm>
           <a:prstGeom prst="rect">
@@ -3307,7 +3295,7 @@
         </p:blipFill>
         <p:spPr>
           <a:xfrm>
-            <a:off x="6720936" y="4977279"/>
+            <a:off x="6965601" y="5183713"/>
             <a:ext cx="4944567" cy="1366998"/>
           </a:xfrm>
           <a:prstGeom prst="rect">
@@ -3325,6 +3313,172 @@
           </a:effectLst>
         </p:spPr>
       </p:pic>
+      <p:sp>
+        <p:nvSpPr>
+          <p:cNvPr id="12" name="Textfeld 11"/>
+          <p:cNvSpPr txBox="1"/>
+          <p:nvPr/>
+        </p:nvSpPr>
+        <p:spPr>
+          <a:xfrm>
+            <a:off x="5952135" y="3252250"/>
+            <a:ext cx="4890402" cy="1169551"/>
+          </a:xfrm>
+          <a:prstGeom prst="rect">
+            <a:avLst/>
+          </a:prstGeom>
+          <a:noFill/>
+        </p:spPr>
+        <p:txBody>
+          <a:bodyPr wrap="square" rtlCol="0">
+            <a:spAutoFit/>
+          </a:bodyPr>
+          <a:lstStyle/>
+          <a:p>
+            <a:r>
+              <a:rPr lang="de-DE" sz="3500" b="1" dirty="0" smtClean="0">
+                <a:solidFill>
+                  <a:schemeClr val="accent5">
+                    <a:lumMod val="75000"/>
+                  </a:schemeClr>
+                </a:solidFill>
+                <a:latin typeface="CabinSketch" panose="020B0503050202020004" pitchFamily="34" charset="0"/>
+                <a:ea typeface="Roboto" pitchFamily="2" charset="0"/>
+              </a:rPr>
+              <a:t>Einfach zu lernen.</a:t>
+            </a:r>
+          </a:p>
+          <a:p>
+            <a:r>
+              <a:rPr lang="de-DE" sz="3500" b="1" dirty="0" smtClean="0">
+                <a:solidFill>
+                  <a:schemeClr val="accent5">
+                    <a:lumMod val="75000"/>
+                  </a:schemeClr>
+                </a:solidFill>
+                <a:latin typeface="CabinSketch" panose="020B0503050202020004" pitchFamily="34" charset="0"/>
+                <a:ea typeface="Roboto" pitchFamily="2" charset="0"/>
+              </a:rPr>
+              <a:t>Schwer zu meistern.</a:t>
+            </a:r>
+            <a:endParaRPr lang="de-DE" sz="3500" b="1" dirty="0">
+              <a:solidFill>
+                <a:schemeClr val="accent5">
+                  <a:lumMod val="75000"/>
+                </a:schemeClr>
+              </a:solidFill>
+              <a:latin typeface="CabinSketch" panose="020B0503050202020004" pitchFamily="34" charset="0"/>
+              <a:ea typeface="Roboto" pitchFamily="2" charset="0"/>
+            </a:endParaRPr>
+          </a:p>
+        </p:txBody>
+      </p:sp>
+      <p:sp>
+        <p:nvSpPr>
+          <p:cNvPr id="13" name="Textfeld 12"/>
+          <p:cNvSpPr txBox="1"/>
+          <p:nvPr/>
+        </p:nvSpPr>
+        <p:spPr>
+          <a:xfrm>
+            <a:off x="0" y="5218490"/>
+            <a:ext cx="6552450" cy="553998"/>
+          </a:xfrm>
+          <a:prstGeom prst="rect">
+            <a:avLst/>
+          </a:prstGeom>
+          <a:noFill/>
+        </p:spPr>
+        <p:txBody>
+          <a:bodyPr wrap="square" rtlCol="0">
+            <a:spAutoFit/>
+          </a:bodyPr>
+          <a:lstStyle/>
+          <a:p>
+            <a:r>
+              <a:rPr lang="de-DE" sz="3000" b="1" dirty="0" smtClean="0">
+                <a:solidFill>
+                  <a:schemeClr val="accent5">
+                    <a:lumMod val="75000"/>
+                  </a:schemeClr>
+                </a:solidFill>
+                <a:latin typeface="CabinSketch" panose="020B0503050202020004" pitchFamily="34" charset="0"/>
+                <a:ea typeface="Roboto" pitchFamily="2" charset="0"/>
+              </a:rPr>
+              <a:t>Coole Sounds und Effekte</a:t>
+            </a:r>
+            <a:endParaRPr lang="de-DE" sz="3000" b="1" dirty="0">
+              <a:solidFill>
+                <a:schemeClr val="accent5">
+                  <a:lumMod val="75000"/>
+                </a:schemeClr>
+              </a:solidFill>
+              <a:latin typeface="CabinSketch" panose="020B0503050202020004" pitchFamily="34" charset="0"/>
+              <a:ea typeface="Roboto" pitchFamily="2" charset="0"/>
+            </a:endParaRPr>
+          </a:p>
+        </p:txBody>
+      </p:sp>
+      <p:pic>
+        <p:nvPicPr>
+          <p:cNvPr id="14" name="Grafik 13"/>
+          <p:cNvPicPr>
+            <a:picLocks noChangeAspect="1"/>
+          </p:cNvPicPr>
+          <p:nvPr/>
+        </p:nvPicPr>
+        <p:blipFill>
+          <a:blip r:embed="rId6" cstate="print">
+            <a:extLst>
+              <a:ext uri="{28A0092B-C50C-407E-A947-70E740481C1C}">
+                <a14:useLocalDpi xmlns:a14="http://schemas.microsoft.com/office/drawing/2010/main" val="0"/>
+              </a:ext>
+            </a:extLst>
+          </a:blip>
+          <a:stretch>
+            <a:fillRect/>
+          </a:stretch>
+        </p:blipFill>
+        <p:spPr>
+          <a:xfrm>
+            <a:off x="1065317" y="5666936"/>
+            <a:ext cx="1164818" cy="1164818"/>
+          </a:xfrm>
+          <a:prstGeom prst="rect">
+            <a:avLst/>
+          </a:prstGeom>
+        </p:spPr>
+      </p:pic>
+      <p:pic>
+        <p:nvPicPr>
+          <p:cNvPr id="16" name="Grafik 15"/>
+          <p:cNvPicPr>
+            <a:picLocks noChangeAspect="1"/>
+          </p:cNvPicPr>
+          <p:nvPr/>
+        </p:nvPicPr>
+        <p:blipFill>
+          <a:blip r:embed="rId7">
+            <a:extLst>
+              <a:ext uri="{28A0092B-C50C-407E-A947-70E740481C1C}">
+                <a14:useLocalDpi xmlns:a14="http://schemas.microsoft.com/office/drawing/2010/main" val="0"/>
+              </a:ext>
+            </a:extLst>
+          </a:blip>
+          <a:stretch>
+            <a:fillRect/>
+          </a:stretch>
+        </p:blipFill>
+        <p:spPr>
+          <a:xfrm>
+            <a:off x="2713411" y="5782013"/>
+            <a:ext cx="934664" cy="934664"/>
+          </a:xfrm>
+          <a:prstGeom prst="rect">
+            <a:avLst/>
+          </a:prstGeom>
+        </p:spPr>
+      </p:pic>
     </p:spTree>
     <p:extLst>
       <p:ext uri="{BB962C8B-B14F-4D97-AF65-F5344CB8AC3E}">
@@ -3335,6 +3489,13 @@
   <p:clrMapOvr>
     <a:masterClrMapping/>
   </p:clrMapOvr>
+  <p:timing>
+    <p:tnLst>
+      <p:par>
+        <p:cTn id="1" dur="indefinite" restart="never" nodeType="tmRoot"/>
+      </p:par>
+    </p:tnLst>
+  </p:timing>
 </p:sld>
 </file>
 

--- a/fhangmandw/fhangmandw/Pitcher Hangman WIP.pptx
+++ b/fhangmandw/fhangmandw/Pitcher Hangman WIP.pptx
@@ -2992,7 +2992,7 @@
           <a:lstStyle/>
           <a:p>
             <a:r>
-              <a:rPr lang="de-DE" sz="10000" b="1" dirty="0" err="1" smtClean="0">
+              <a:rPr lang="de-DE" sz="10000" b="1" dirty="0" smtClean="0">
                 <a:solidFill>
                   <a:schemeClr val="accent5">
                     <a:lumMod val="75000"/>
@@ -3023,8 +3023,8 @@
         </p:nvSpPr>
         <p:spPr>
           <a:xfrm>
-            <a:off x="515100" y="1627561"/>
-            <a:ext cx="5672974" cy="1477328"/>
+            <a:off x="240452" y="1606908"/>
+            <a:ext cx="5392597" cy="1384995"/>
           </a:xfrm>
           <a:prstGeom prst="rect">
             <a:avLst/>
@@ -3038,7 +3038,7 @@
           <a:lstStyle/>
           <a:p>
             <a:r>
-              <a:rPr lang="de-DE" sz="3000" b="1" dirty="0" smtClean="0">
+              <a:rPr lang="de-DE" sz="2800" b="1" dirty="0" smtClean="0">
                 <a:solidFill>
                   <a:schemeClr val="accent5">
                     <a:lumMod val="75000"/>
@@ -3047,17 +3047,58 @@
                 <a:latin typeface="CabinSketch" panose="020B0503050202020004" pitchFamily="34" charset="0"/>
                 <a:ea typeface="Roboto" pitchFamily="2" charset="0"/>
               </a:rPr>
-              <a:t>Beweise deine Bereitschaft für das duale Studium und messe dich mit anderen Schulen!</a:t>
-            </a:r>
-            <a:endParaRPr lang="de-DE" sz="3000" b="1" dirty="0">
-              <a:solidFill>
-                <a:schemeClr val="accent5">
-                  <a:lumMod val="75000"/>
-                </a:schemeClr>
-              </a:solidFill>
-              <a:latin typeface="CabinSketch" panose="020B0503050202020004" pitchFamily="34" charset="0"/>
-              <a:ea typeface="Roboto" pitchFamily="2" charset="0"/>
-            </a:endParaRPr>
+              <a:t>Beweise deine Bereitschaft für das duale Studium </a:t>
+            </a:r>
+            <a:r>
+              <a:rPr lang="de-DE" sz="2800" b="1" dirty="0" smtClean="0">
+                <a:solidFill>
+                  <a:schemeClr val="accent5">
+                    <a:lumMod val="75000"/>
+                  </a:schemeClr>
+                </a:solidFill>
+                <a:latin typeface="CabinSketch" panose="020B0503050202020004" pitchFamily="34" charset="0"/>
+                <a:ea typeface="Roboto" pitchFamily="2" charset="0"/>
+              </a:rPr>
+              <a:t>und</a:t>
+            </a:r>
+          </a:p>
+          <a:p>
+            <a:r>
+              <a:rPr lang="de-DE" sz="2800" b="1" dirty="0" smtClean="0">
+                <a:solidFill>
+                  <a:schemeClr val="accent5">
+                    <a:lumMod val="75000"/>
+                  </a:schemeClr>
+                </a:solidFill>
+                <a:latin typeface="CabinSketch" panose="020B0503050202020004" pitchFamily="34" charset="0"/>
+                <a:ea typeface="Roboto" pitchFamily="2" charset="0"/>
+              </a:rPr>
+              <a:t>messe </a:t>
+            </a:r>
+            <a:r>
+              <a:rPr lang="de-DE" sz="2800" b="1" dirty="0" smtClean="0">
+                <a:solidFill>
+                  <a:schemeClr val="accent5">
+                    <a:lumMod val="75000"/>
+                  </a:schemeClr>
+                </a:solidFill>
+                <a:latin typeface="CabinSketch" panose="020B0503050202020004" pitchFamily="34" charset="0"/>
+                <a:ea typeface="Roboto" pitchFamily="2" charset="0"/>
+              </a:rPr>
+              <a:t>dich mit anderen Schulen</a:t>
+            </a:r>
+            <a:r>
+              <a:rPr lang="de-DE" sz="2800" b="1" dirty="0" smtClean="0">
+                <a:solidFill>
+                  <a:schemeClr val="accent5">
+                    <a:lumMod val="75000"/>
+                  </a:schemeClr>
+                </a:solidFill>
+                <a:latin typeface="CabinSketch" panose="020B0503050202020004" pitchFamily="34" charset="0"/>
+                <a:ea typeface="Roboto" pitchFamily="2" charset="0"/>
+              </a:rPr>
+              <a:t>!</a:t>
+            </a:r>
           </a:p>
         </p:txBody>
       </p:sp>
@@ -3113,7 +3154,7 @@
         </p:blipFill>
         <p:spPr>
           <a:xfrm>
-            <a:off x="933054" y="3099368"/>
+            <a:off x="1647726" y="2755101"/>
             <a:ext cx="3930283" cy="1970756"/>
           </a:xfrm>
           <a:prstGeom prst="roundRect">
@@ -3153,17 +3194,29 @@
         </p:nvSpPr>
         <p:spPr>
           <a:xfrm>
-            <a:off x="7432326" y="1715896"/>
+            <a:off x="7301598" y="1865948"/>
             <a:ext cx="4890402" cy="553998"/>
           </a:xfrm>
           <a:prstGeom prst="rect">
             <a:avLst/>
           </a:prstGeom>
           <a:noFill/>
+          <a:scene3d>
+            <a:camera prst="orthographicFront">
+              <a:rot lat="0" lon="0" rev="300000"/>
+            </a:camera>
+            <a:lightRig rig="threePt" dir="t"/>
+          </a:scene3d>
         </p:spPr>
         <p:txBody>
           <a:bodyPr wrap="square" rtlCol="0">
             <a:spAutoFit/>
+            <a:scene3d>
+              <a:camera prst="orthographicFront">
+                <a:rot lat="0" lon="21599986" rev="0"/>
+              </a:camera>
+              <a:lightRig rig="threePt" dir="t"/>
+            </a:scene3d>
           </a:bodyPr>
           <a:lstStyle/>
           <a:p>
@@ -3213,7 +3266,7 @@
         </p:blipFill>
         <p:spPr>
           <a:xfrm>
-            <a:off x="7539081" y="2229797"/>
+            <a:off x="7408353" y="2229797"/>
             <a:ext cx="4439270" cy="762106"/>
           </a:xfrm>
           <a:prstGeom prst="rect">
@@ -3225,6 +3278,12 @@
           <a:effectLst>
             <a:softEdge rad="112500"/>
           </a:effectLst>
+          <a:scene3d>
+            <a:camera prst="orthographicFront">
+              <a:rot lat="0" lon="0" rev="300000"/>
+            </a:camera>
+            <a:lightRig rig="threePt" dir="t"/>
+          </a:scene3d>
         </p:spPr>
       </p:pic>
       <p:sp>
@@ -3235,7 +3294,7 @@
         </p:nvSpPr>
         <p:spPr>
           <a:xfrm>
-            <a:off x="8521560" y="4629715"/>
+            <a:off x="8445592" y="4792358"/>
             <a:ext cx="2106813" cy="553998"/>
           </a:xfrm>
           <a:prstGeom prst="rect">
@@ -3295,7 +3354,7 @@
         </p:blipFill>
         <p:spPr>
           <a:xfrm>
-            <a:off x="6965601" y="5183713"/>
+            <a:off x="6889633" y="5346356"/>
             <a:ext cx="4944567" cy="1366998"/>
           </a:xfrm>
           <a:prstGeom prst="rect">
@@ -3321,8 +3380,8 @@
         </p:nvSpPr>
         <p:spPr>
           <a:xfrm>
-            <a:off x="5952135" y="3252250"/>
-            <a:ext cx="4890402" cy="1169551"/>
+            <a:off x="112456" y="5545504"/>
+            <a:ext cx="4890402" cy="1015663"/>
           </a:xfrm>
           <a:prstGeom prst="rect">
             <a:avLst/>
@@ -3336,7 +3395,7 @@
           <a:lstStyle/>
           <a:p>
             <a:r>
-              <a:rPr lang="de-DE" sz="3500" b="1" dirty="0" smtClean="0">
+              <a:rPr lang="de-DE" sz="3000" b="1" dirty="0" smtClean="0">
                 <a:solidFill>
                   <a:schemeClr val="accent5">
                     <a:lumMod val="75000"/>
@@ -3350,7 +3409,7 @@
           </a:p>
           <a:p>
             <a:r>
-              <a:rPr lang="de-DE" sz="3500" b="1" dirty="0" smtClean="0">
+              <a:rPr lang="de-DE" sz="3000" b="1" dirty="0" smtClean="0">
                 <a:solidFill>
                   <a:schemeClr val="accent5">
                     <a:lumMod val="75000"/>
@@ -3360,52 +3419,6 @@
                 <a:ea typeface="Roboto" pitchFamily="2" charset="0"/>
               </a:rPr>
               <a:t>Schwer zu meistern.</a:t>
-            </a:r>
-            <a:endParaRPr lang="de-DE" sz="3500" b="1" dirty="0">
-              <a:solidFill>
-                <a:schemeClr val="accent5">
-                  <a:lumMod val="75000"/>
-                </a:schemeClr>
-              </a:solidFill>
-              <a:latin typeface="CabinSketch" panose="020B0503050202020004" pitchFamily="34" charset="0"/>
-              <a:ea typeface="Roboto" pitchFamily="2" charset="0"/>
-            </a:endParaRPr>
-          </a:p>
-        </p:txBody>
-      </p:sp>
-      <p:sp>
-        <p:nvSpPr>
-          <p:cNvPr id="13" name="Textfeld 12"/>
-          <p:cNvSpPr txBox="1"/>
-          <p:nvPr/>
-        </p:nvSpPr>
-        <p:spPr>
-          <a:xfrm>
-            <a:off x="0" y="5218490"/>
-            <a:ext cx="6552450" cy="553998"/>
-          </a:xfrm>
-          <a:prstGeom prst="rect">
-            <a:avLst/>
-          </a:prstGeom>
-          <a:noFill/>
-        </p:spPr>
-        <p:txBody>
-          <a:bodyPr wrap="square" rtlCol="0">
-            <a:spAutoFit/>
-          </a:bodyPr>
-          <a:lstStyle/>
-          <a:p>
-            <a:r>
-              <a:rPr lang="de-DE" sz="3000" b="1" dirty="0" smtClean="0">
-                <a:solidFill>
-                  <a:schemeClr val="accent5">
-                    <a:lumMod val="75000"/>
-                  </a:schemeClr>
-                </a:solidFill>
-                <a:latin typeface="CabinSketch" panose="020B0503050202020004" pitchFamily="34" charset="0"/>
-                <a:ea typeface="Roboto" pitchFamily="2" charset="0"/>
-              </a:rPr>
-              <a:t>Coole Sounds und Effekte</a:t>
             </a:r>
             <a:endParaRPr lang="de-DE" sz="3000" b="1" dirty="0">
               <a:solidFill>
@@ -3441,38 +3454,8 @@
         </p:blipFill>
         <p:spPr>
           <a:xfrm>
-            <a:off x="1065317" y="5666936"/>
+            <a:off x="4590230" y="5635908"/>
             <a:ext cx="1164818" cy="1164818"/>
-          </a:xfrm>
-          <a:prstGeom prst="rect">
-            <a:avLst/>
-          </a:prstGeom>
-        </p:spPr>
-      </p:pic>
-      <p:pic>
-        <p:nvPicPr>
-          <p:cNvPr id="16" name="Grafik 15"/>
-          <p:cNvPicPr>
-            <a:picLocks noChangeAspect="1"/>
-          </p:cNvPicPr>
-          <p:nvPr/>
-        </p:nvPicPr>
-        <p:blipFill>
-          <a:blip r:embed="rId7">
-            <a:extLst>
-              <a:ext uri="{28A0092B-C50C-407E-A947-70E740481C1C}">
-                <a14:useLocalDpi xmlns:a14="http://schemas.microsoft.com/office/drawing/2010/main" val="0"/>
-              </a:ext>
-            </a:extLst>
-          </a:blip>
-          <a:stretch>
-            <a:fillRect/>
-          </a:stretch>
-        </p:blipFill>
-        <p:spPr>
-          <a:xfrm>
-            <a:off x="2713411" y="5782013"/>
-            <a:ext cx="934664" cy="934664"/>
           </a:xfrm>
           <a:prstGeom prst="rect">
             <a:avLst/>
